--- a/papers/cogsci2016/poster/LNH_poster_2016.pptx
+++ b/papers/cogsci2016/poster/LNH_poster_2016.pptx
@@ -110,12 +110,12 @@
   <p:extLst>
     <p:ext uri="{EFAFB233-063F-42B5-8137-9DF3F51BA10A}">
       <p15:sldGuideLst xmlns:p15="http://schemas.microsoft.com/office/powerpoint/2012/main">
-        <p15:guide id="1" orient="horz" pos="10368">
+        <p15:guide id="1" orient="horz" pos="4104" userDrawn="1">
           <p15:clr>
             <a:srgbClr val="A4A3A4"/>
           </p15:clr>
         </p15:guide>
-        <p15:guide id="2" pos="15552">
+        <p15:guide id="2" pos="720" userDrawn="1">
           <p15:clr>
             <a:srgbClr val="A4A3A4"/>
           </p15:clr>
@@ -610,7 +610,7 @@
               <a:t>origin.country</a:t>
             </a:r>
             <a:r>
-              <a:rPr lang="en-US" sz="1200" smtClean="0">
+              <a:rPr lang="en-US" sz="1200" dirty="0" smtClean="0">
                 <a:latin typeface="Avenir Book" charset="0"/>
                 <a:ea typeface="Avenir Book" charset="0"/>
                 <a:cs typeface="Avenir Book" charset="0"/>
@@ -3655,8 +3655,8 @@
         </p:nvSpPr>
         <p:spPr>
           <a:xfrm>
-            <a:off x="1081634" y="6360340"/>
-            <a:ext cx="19927669" cy="6434252"/>
+            <a:off x="1081634" y="6541740"/>
+            <a:ext cx="20051477" cy="3890725"/>
           </a:xfrm>
           <a:prstGeom prst="roundRect">
             <a:avLst/>
@@ -3704,8 +3704,8 @@
         </p:nvSpPr>
         <p:spPr>
           <a:xfrm>
-            <a:off x="1579967" y="7017524"/>
-            <a:ext cx="19099854" cy="5078313"/>
+            <a:off x="1940349" y="7114826"/>
+            <a:ext cx="18109917" cy="2862322"/>
           </a:xfrm>
           <a:prstGeom prst="rect">
             <a:avLst/>
@@ -3719,43 +3719,71 @@
           <a:lstStyle/>
           <a:p>
             <a:r>
-              <a:rPr lang="en-US" sz="8800" b="1" dirty="0" smtClean="0">
+              <a:rPr lang="en-US" sz="7200" b="1" dirty="0" smtClean="0">
                 <a:latin typeface="Avenir Book"/>
                 <a:cs typeface="Avenir Book"/>
               </a:rPr>
               <a:t>Linguistic Niche Hypothesis</a:t>
             </a:r>
             <a:r>
-              <a:rPr lang="en-US" sz="8800" dirty="0" smtClean="0">
+              <a:rPr lang="en-US" sz="7200" dirty="0" smtClean="0">
                 <a:latin typeface="Avenir Book"/>
                 <a:cs typeface="Avenir Book"/>
               </a:rPr>
-              <a:t>: Languages adapt to pressures in their environment. </a:t>
-            </a:r>
-          </a:p>
-          <a:p>
-            <a:r>
-              <a:rPr lang="en-US" sz="6000" dirty="0" smtClean="0">
+              <a:t>: Languages adapt to pressures in </a:t>
+            </a:r>
+            <a:r>
+              <a:rPr lang="en-US" sz="7200" dirty="0" smtClean="0">
                 <a:latin typeface="Avenir Book"/>
                 <a:cs typeface="Avenir Book"/>
               </a:rPr>
-              <a:t>(</a:t>
-            </a:r>
-            <a:r>
-              <a:rPr lang="en-US" sz="6000" dirty="0" err="1" smtClean="0">
+              <a:t>their</a:t>
+            </a:r>
+            <a:r>
+              <a:rPr lang="en-US" sz="7200" dirty="0">
                 <a:latin typeface="Avenir Book"/>
                 <a:cs typeface="Avenir Book"/>
               </a:rPr>
-              <a:t>Lupyan</a:t>
-            </a:r>
-            <a:r>
-              <a:rPr lang="en-US" sz="6000" dirty="0" smtClean="0">
+              <a:t> </a:t>
+            </a:r>
+            <a:r>
+              <a:rPr lang="en-US" sz="7200" dirty="0" smtClean="0">
                 <a:latin typeface="Avenir Book"/>
                 <a:cs typeface="Avenir Book"/>
               </a:rPr>
-              <a:t> &amp; Dale, 2010; Wray &amp; Grace, 2007)</a:t>
-            </a:r>
-            <a:endParaRPr lang="en-US" sz="6000" dirty="0">
+              <a:t>environment.</a:t>
+            </a:r>
+          </a:p>
+          <a:p>
+            <a:r>
+              <a:rPr lang="en-US" sz="3600" dirty="0" smtClean="0">
+                <a:latin typeface="Avenir Book"/>
+                <a:cs typeface="Avenir Book"/>
+              </a:rPr>
+              <a:t>(</a:t>
+            </a:r>
+            <a:r>
+              <a:rPr lang="en-US" sz="3600" dirty="0" err="1">
+                <a:latin typeface="Avenir Book"/>
+                <a:cs typeface="Avenir Book"/>
+              </a:rPr>
+              <a:t>Lupyan</a:t>
+            </a:r>
+            <a:r>
+              <a:rPr lang="en-US" sz="3600" dirty="0">
+                <a:latin typeface="Avenir Book"/>
+                <a:cs typeface="Avenir Book"/>
+              </a:rPr>
+              <a:t> &amp; Dale, 2010; Wray &amp; Grace, </a:t>
+            </a:r>
+            <a:r>
+              <a:rPr lang="en-US" sz="3600" dirty="0" smtClean="0">
+                <a:latin typeface="Avenir Book"/>
+                <a:cs typeface="Avenir Book"/>
+              </a:rPr>
+              <a:t>2007).</a:t>
+            </a:r>
+            <a:endParaRPr lang="en-US" sz="3600" dirty="0">
               <a:latin typeface="Avenir Book"/>
               <a:cs typeface="Avenir Book"/>
             </a:endParaRPr>
@@ -3770,8 +3798,8 @@
         </p:nvSpPr>
         <p:spPr>
           <a:xfrm>
-            <a:off x="22440933" y="6492921"/>
-            <a:ext cx="25879278" cy="2684363"/>
+            <a:off x="22440933" y="6599688"/>
+            <a:ext cx="25879278" cy="2370252"/>
           </a:xfrm>
           <a:prstGeom prst="roundRect">
             <a:avLst/>
@@ -4057,8 +4085,8 @@
         </p:nvSpPr>
         <p:spPr>
           <a:xfrm>
-            <a:off x="1260872" y="13525429"/>
-            <a:ext cx="19942577" cy="10525958"/>
+            <a:off x="1136083" y="11079418"/>
+            <a:ext cx="19942577" cy="10064294"/>
           </a:xfrm>
           <a:prstGeom prst="rect">
             <a:avLst/>
@@ -4071,7 +4099,7 @@
           <a:lstStyle/>
           <a:p>
             <a:r>
-              <a:rPr lang="en-US" sz="6000" b="1" u="sng" dirty="0" smtClean="0">
+              <a:rPr lang="en-US" sz="5400" b="1" u="sng" dirty="0" smtClean="0">
                 <a:latin typeface="Avenir Book" charset="0"/>
                 <a:ea typeface="Avenir Book" charset="0"/>
                 <a:cs typeface="Avenir Book" charset="0"/>
@@ -4079,7 +4107,7 @@
               <a:t>Analysis 1</a:t>
             </a:r>
             <a:r>
-              <a:rPr lang="en-US" sz="6000" b="1" dirty="0" smtClean="0">
+              <a:rPr lang="en-US" sz="5400" b="1" dirty="0" smtClean="0">
                 <a:latin typeface="Avenir Book" charset="0"/>
                 <a:ea typeface="Avenir Book" charset="0"/>
                 <a:cs typeface="Avenir Book" charset="0"/>
@@ -4093,7 +4121,7 @@
               <a:buChar char="•"/>
             </a:pPr>
             <a:r>
-              <a:rPr lang="en-US" sz="6000" dirty="0" smtClean="0">
+              <a:rPr lang="en-US" sz="5400" dirty="0" smtClean="0">
                 <a:latin typeface="Avenir Book" charset="0"/>
                 <a:ea typeface="Avenir Book" charset="0"/>
                 <a:cs typeface="Avenir Book" charset="0"/>
@@ -4101,7 +4129,7 @@
               <a:t>Aggregate datasets with environmental (</a:t>
             </a:r>
             <a:r>
-              <a:rPr lang="en-US" sz="6000" i="1" dirty="0" smtClean="0">
+              <a:rPr lang="en-US" sz="5400" i="1" dirty="0" smtClean="0">
                 <a:latin typeface="Avenir Book" charset="0"/>
                 <a:ea typeface="Avenir Book" charset="0"/>
                 <a:cs typeface="Avenir Book" charset="0"/>
@@ -4109,7 +4137,7 @@
               <a:t>n</a:t>
             </a:r>
             <a:r>
-              <a:rPr lang="en-US" sz="6000" dirty="0" smtClean="0">
+              <a:rPr lang="en-US" sz="5400" dirty="0" smtClean="0">
                 <a:latin typeface="Avenir Book" charset="0"/>
                 <a:ea typeface="Avenir Book" charset="0"/>
                 <a:cs typeface="Avenir Book" charset="0"/>
@@ -4117,7 +4145,7 @@
               <a:t> = 8) and linguistic variables (</a:t>
             </a:r>
             <a:r>
-              <a:rPr lang="en-US" sz="6000" i="1" dirty="0" smtClean="0">
+              <a:rPr lang="en-US" sz="5400" i="1" dirty="0" smtClean="0">
                 <a:latin typeface="Avenir Book" charset="0"/>
                 <a:ea typeface="Avenir Book" charset="0"/>
                 <a:cs typeface="Avenir Book" charset="0"/>
@@ -4125,7 +4153,7 @@
               <a:t>n </a:t>
             </a:r>
             <a:r>
-              <a:rPr lang="en-US" sz="6000" dirty="0" smtClean="0">
+              <a:rPr lang="en-US" sz="5400" dirty="0" smtClean="0">
                 <a:latin typeface="Avenir Book" charset="0"/>
                 <a:ea typeface="Avenir Book" charset="0"/>
                 <a:cs typeface="Avenir Book" charset="0"/>
@@ -4139,7 +4167,7 @@
               <a:buChar char="•"/>
             </a:pPr>
             <a:r>
-              <a:rPr lang="en-US" sz="6000" dirty="0">
+              <a:rPr lang="en-US" sz="5400" dirty="0">
                 <a:latin typeface="Avenir Book" charset="0"/>
                 <a:ea typeface="Avenir Book" charset="0"/>
                 <a:cs typeface="Avenir Book" charset="0"/>
@@ -4147,7 +4175,7 @@
               <a:t>L</a:t>
             </a:r>
             <a:r>
-              <a:rPr lang="en-US" sz="6000" dirty="0" smtClean="0">
+              <a:rPr lang="en-US" sz="5400" dirty="0" smtClean="0">
                 <a:latin typeface="Avenir Book" charset="0"/>
                 <a:ea typeface="Avenir Book" charset="0"/>
                 <a:cs typeface="Avenir Book" charset="0"/>
@@ -4155,7 +4183,7 @@
               <a:t>inear </a:t>
             </a:r>
             <a:r>
-              <a:rPr lang="en-US" sz="6000" dirty="0">
+              <a:rPr lang="en-US" sz="5400" dirty="0">
                 <a:latin typeface="Avenir Book" charset="0"/>
                 <a:ea typeface="Avenir Book" charset="0"/>
                 <a:cs typeface="Avenir Book" charset="0"/>
@@ -4163,7 +4191,7 @@
               <a:t>mixed-effects </a:t>
             </a:r>
             <a:r>
-              <a:rPr lang="en-US" sz="6000" dirty="0" smtClean="0">
+              <a:rPr lang="en-US" sz="5400" dirty="0" smtClean="0">
                 <a:latin typeface="Avenir Book" charset="0"/>
                 <a:ea typeface="Avenir Book" charset="0"/>
                 <a:cs typeface="Avenir Book" charset="0"/>
@@ -4171,7 +4199,7 @@
               <a:t>regression </a:t>
             </a:r>
             <a:r>
-              <a:rPr lang="en-US" sz="4800" dirty="0" smtClean="0">
+              <a:rPr lang="en-US" sz="3600" dirty="0" smtClean="0">
                 <a:latin typeface="Avenir Book" charset="0"/>
                 <a:ea typeface="Avenir Book" charset="0"/>
                 <a:cs typeface="Avenir Book" charset="0"/>
@@ -4248,7 +4276,7 @@
           </p:cNvPicPr>
           <p:nvPr/>
         </p:nvPicPr>
-        <p:blipFill>
+        <p:blipFill rotWithShape="1">
           <a:blip r:embed="rId3">
             <a:extLst>
               <a:ext uri="{28A0092B-C50C-407E-A947-70E740481C1C}">
@@ -4256,14 +4284,13 @@
               </a:ext>
             </a:extLst>
           </a:blip>
-          <a:stretch>
-            <a:fillRect/>
-          </a:stretch>
+          <a:srcRect l="3798" b="4104"/>
+          <a:stretch/>
         </p:blipFill>
         <p:spPr>
           <a:xfrm>
-            <a:off x="1486904" y="19114647"/>
-            <a:ext cx="16227681" cy="12621531"/>
+            <a:off x="2257307" y="16099755"/>
+            <a:ext cx="18214519" cy="14121652"/>
           </a:xfrm>
           <a:prstGeom prst="rect">
             <a:avLst/>
@@ -4292,7 +4319,7 @@
         </p:blipFill>
         <p:spPr>
           <a:xfrm>
-            <a:off x="22399482" y="15600294"/>
+            <a:off x="22517100" y="14714089"/>
             <a:ext cx="25127125" cy="16751415"/>
           </a:xfrm>
           <a:prstGeom prst="rect">
@@ -4310,8 +4337,8 @@
         </p:nvSpPr>
         <p:spPr>
           <a:xfrm>
-            <a:off x="23399904" y="7186987"/>
-            <a:ext cx="27958896" cy="730276"/>
+            <a:off x="23276997" y="7207321"/>
+            <a:ext cx="27958896" cy="1675133"/>
           </a:xfrm>
           <a:prstGeom prst="rect">
             <a:avLst/>
@@ -4464,26 +4491,26 @@
               <a:buNone/>
             </a:pPr>
             <a:r>
-              <a:rPr lang="en-US" sz="8800" b="1" dirty="0" smtClean="0"/>
+              <a:rPr lang="en-US" sz="7200" b="1" dirty="0" smtClean="0"/>
               <a:t>Explore data: https://</a:t>
             </a:r>
             <a:r>
-              <a:rPr lang="en-US" sz="8800" b="1" dirty="0" err="1" smtClean="0"/>
+              <a:rPr lang="en-US" sz="7200" b="1" dirty="0" err="1" smtClean="0"/>
               <a:t>mlewis.shinyapps.io</a:t>
             </a:r>
             <a:r>
-              <a:rPr lang="en-US" sz="8800" b="1" dirty="0" smtClean="0"/>
+              <a:rPr lang="en-US" sz="7200" b="1" dirty="0" smtClean="0"/>
               <a:t>/</a:t>
             </a:r>
             <a:r>
-              <a:rPr lang="en-US" sz="8800" b="1" dirty="0" err="1" smtClean="0"/>
+              <a:rPr lang="en-US" sz="7200" b="1" dirty="0" err="1" smtClean="0"/>
               <a:t>lhnn</a:t>
             </a:r>
             <a:r>
-              <a:rPr lang="en-US" sz="8800" b="1" dirty="0" smtClean="0"/>
+              <a:rPr lang="en-US" sz="7200" b="1" dirty="0" smtClean="0"/>
               <a:t>/</a:t>
             </a:r>
-            <a:endParaRPr lang="en-US" sz="8800" b="1" dirty="0"/>
+            <a:endParaRPr lang="en-US" sz="7200" b="1" dirty="0"/>
           </a:p>
         </p:txBody>
       </p:sp>
@@ -4497,8 +4524,8 @@
         </p:nvSpPr>
         <p:spPr>
           <a:xfrm>
-            <a:off x="40144555" y="16727045"/>
-            <a:ext cx="7413656" cy="1864659"/>
+            <a:off x="40144555" y="15619233"/>
+            <a:ext cx="8175656" cy="1864659"/>
           </a:xfrm>
           <a:prstGeom prst="rect">
             <a:avLst/>
@@ -4651,7 +4678,7 @@
               <a:buNone/>
             </a:pPr>
             <a:r>
-              <a:rPr lang="en-US" sz="6600" b="1" i="1" dirty="0" smtClean="0"/>
+              <a:rPr lang="en-US" sz="7200" b="1" dirty="0" smtClean="0"/>
               <a:t>Languages in cold, small communities are more complex.</a:t>
             </a:r>
           </a:p>
@@ -4665,8 +4692,8 @@
         </p:nvSpPr>
         <p:spPr>
           <a:xfrm>
-            <a:off x="22399482" y="10376952"/>
-            <a:ext cx="25879278" cy="3785652"/>
+            <a:off x="22517100" y="10201319"/>
+            <a:ext cx="25879278" cy="3416320"/>
           </a:xfrm>
           <a:prstGeom prst="rect">
             <a:avLst/>
@@ -4679,7 +4706,7 @@
           <a:lstStyle/>
           <a:p>
             <a:r>
-              <a:rPr lang="en-US" sz="6000" b="1" u="sng" dirty="0" smtClean="0">
+              <a:rPr lang="en-US" sz="5400" b="1" u="sng" dirty="0" smtClean="0">
                 <a:latin typeface="Avenir Book" charset="0"/>
                 <a:ea typeface="Avenir Book" charset="0"/>
                 <a:cs typeface="Avenir Book" charset="0"/>
@@ -4687,12 +4714,28 @@
               <a:t>Analysis 2</a:t>
             </a:r>
             <a:r>
-              <a:rPr lang="en-US" sz="6000" b="1" dirty="0" smtClean="0">
+              <a:rPr lang="en-US" sz="5400" b="1" dirty="0" smtClean="0">
                 <a:latin typeface="Avenir Book" charset="0"/>
                 <a:ea typeface="Avenir Book" charset="0"/>
                 <a:cs typeface="Avenir Book" charset="0"/>
               </a:rPr>
-              <a:t>: Principle component analysis</a:t>
+              <a:t>: </a:t>
+            </a:r>
+            <a:r>
+              <a:rPr lang="en-US" sz="5400" b="1" dirty="0" smtClean="0">
+                <a:latin typeface="Avenir Book" charset="0"/>
+                <a:ea typeface="Avenir Book" charset="0"/>
+                <a:cs typeface="Avenir Book" charset="0"/>
+              </a:rPr>
+              <a:t>Principal </a:t>
+            </a:r>
+            <a:r>
+              <a:rPr lang="en-US" sz="5400" b="1" dirty="0" smtClean="0">
+                <a:latin typeface="Avenir Book" charset="0"/>
+                <a:ea typeface="Avenir Book" charset="0"/>
+                <a:cs typeface="Avenir Book" charset="0"/>
+              </a:rPr>
+              <a:t>component analysis</a:t>
             </a:r>
           </a:p>
           <a:p>
@@ -4701,7 +4744,7 @@
               <a:buChar char="•"/>
             </a:pPr>
             <a:r>
-              <a:rPr lang="en-US" sz="6000" dirty="0" smtClean="0">
+              <a:rPr lang="en-US" sz="5400" dirty="0" smtClean="0">
                 <a:latin typeface="Avenir Book" charset="0"/>
                 <a:ea typeface="Avenir Book" charset="0"/>
                 <a:cs typeface="Avenir Book" charset="0"/>
@@ -4715,7 +4758,7 @@
               <a:buChar char="•"/>
             </a:pPr>
             <a:r>
-              <a:rPr lang="en-US" sz="6000" dirty="0" smtClean="0">
+              <a:rPr lang="en-US" sz="5400" dirty="0" smtClean="0">
                 <a:latin typeface="Avenir Book" charset="0"/>
                 <a:ea typeface="Avenir Book" charset="0"/>
                 <a:cs typeface="Avenir Book" charset="0"/>
@@ -4723,7 +4766,7 @@
               <a:t>Predict ling. principle components with </a:t>
             </a:r>
             <a:r>
-              <a:rPr lang="en-US" sz="6000" dirty="0" err="1" smtClean="0">
+              <a:rPr lang="en-US" sz="5400" dirty="0" err="1" smtClean="0">
                 <a:latin typeface="Avenir Book" charset="0"/>
                 <a:ea typeface="Avenir Book" charset="0"/>
                 <a:cs typeface="Avenir Book" charset="0"/>
@@ -4731,7 +4774,7 @@
               <a:t>env</a:t>
             </a:r>
             <a:r>
-              <a:rPr lang="en-US" sz="6000" dirty="0" smtClean="0">
+              <a:rPr lang="en-US" sz="5400" dirty="0" smtClean="0">
                 <a:latin typeface="Avenir Book" charset="0"/>
                 <a:ea typeface="Avenir Book" charset="0"/>
                 <a:cs typeface="Avenir Book" charset="0"/>
@@ -4739,7 +4782,7 @@
               <a:t>. </a:t>
             </a:r>
             <a:r>
-              <a:rPr lang="en-US" sz="6000" dirty="0">
+              <a:rPr lang="en-US" sz="5400" dirty="0">
                 <a:latin typeface="Avenir Book" charset="0"/>
                 <a:ea typeface="Avenir Book" charset="0"/>
                 <a:cs typeface="Avenir Book" charset="0"/>
@@ -4747,7 +4790,7 @@
               <a:t>p</a:t>
             </a:r>
             <a:r>
-              <a:rPr lang="en-US" sz="6000" dirty="0" smtClean="0">
+              <a:rPr lang="en-US" sz="5400" dirty="0" smtClean="0">
                 <a:latin typeface="Avenir Book" charset="0"/>
                 <a:ea typeface="Avenir Book" charset="0"/>
                 <a:cs typeface="Avenir Book" charset="0"/>
@@ -4755,78 +4798,773 @@
               <a:t>rinciple </a:t>
             </a:r>
             <a:r>
-              <a:rPr lang="en-US" sz="6000" dirty="0" smtClean="0">
+              <a:rPr lang="en-US" sz="5400" dirty="0" smtClean="0">
                 <a:latin typeface="Avenir Book" charset="0"/>
                 <a:ea typeface="Avenir Book" charset="0"/>
                 <a:cs typeface="Avenir Book" charset="0"/>
               </a:rPr>
               <a:t>components</a:t>
             </a:r>
-            <a:endParaRPr lang="en-US" sz="6600" b="1" dirty="0" smtClean="0">
+            <a:endParaRPr lang="en-US" sz="6000" b="1" dirty="0" smtClean="0">
               <a:latin typeface="Avenir Book"/>
               <a:cs typeface="Avenir Book"/>
             </a:endParaRPr>
           </a:p>
         </p:txBody>
       </p:sp>
-      <p:pic>
-        <p:nvPicPr>
-          <p:cNvPr id="17" name="Picture 16"/>
-          <p:cNvPicPr>
-            <a:picLocks noChangeAspect="1"/>
-          </p:cNvPicPr>
+      <p:sp>
+        <p:nvSpPr>
+          <p:cNvPr id="19" name="Rectangle 18"/>
+          <p:cNvSpPr/>
           <p:nvPr/>
-        </p:nvPicPr>
-        <p:blipFill rotWithShape="1">
-          <a:blip r:embed="rId3">
-            <a:extLst>
-              <a:ext uri="{28A0092B-C50C-407E-A947-70E740481C1C}">
-                <a14:useLocalDpi xmlns:a14="http://schemas.microsoft.com/office/drawing/2010/main" val="0"/>
-              </a:ext>
-            </a:extLst>
-          </a:blip>
-          <a:srcRect l="37317" t="96965" r="36074" b="-587"/>
-          <a:stretch/>
-        </p:blipFill>
+        </p:nvSpPr>
         <p:spPr>
           <a:xfrm>
-            <a:off x="4154274" y="31271374"/>
-            <a:ext cx="10203162" cy="1080335"/>
+            <a:off x="1051959" y="31403158"/>
+            <a:ext cx="19428292" cy="1077218"/>
           </a:xfrm>
           <a:prstGeom prst="rect">
             <a:avLst/>
           </a:prstGeom>
         </p:spPr>
-      </p:pic>
-      <p:pic>
-        <p:nvPicPr>
-          <p:cNvPr id="18" name="Picture 17"/>
-          <p:cNvPicPr>
-            <a:picLocks noChangeAspect="1"/>
-          </p:cNvPicPr>
+        <p:txBody>
+          <a:bodyPr wrap="square">
+            <a:spAutoFit/>
+          </a:bodyPr>
+          <a:lstStyle/>
+          <a:p>
+            <a:r>
+              <a:rPr lang="en-US" sz="3200" dirty="0" smtClean="0">
+                <a:latin typeface="Avenir Book" charset="0"/>
+                <a:ea typeface="Avenir Book" charset="0"/>
+                <a:cs typeface="Avenir Book" charset="0"/>
+              </a:rPr>
+              <a:t>DATA SOURCES: 1. </a:t>
+            </a:r>
+            <a:r>
+              <a:rPr lang="en-US" sz="3200" dirty="0" err="1" smtClean="0">
+                <a:latin typeface="Avenir Book" charset="0"/>
+                <a:ea typeface="Avenir Book" charset="0"/>
+                <a:cs typeface="Avenir Book" charset="0"/>
+              </a:rPr>
+              <a:t>Lupyan</a:t>
+            </a:r>
+            <a:r>
+              <a:rPr lang="en-US" sz="3200" dirty="0" smtClean="0">
+                <a:latin typeface="Avenir Book" charset="0"/>
+                <a:ea typeface="Avenir Book" charset="0"/>
+                <a:cs typeface="Avenir Book" charset="0"/>
+              </a:rPr>
+              <a:t> &amp; Dale (2010).  2. </a:t>
+            </a:r>
+            <a:r>
+              <a:rPr lang="de-DE" sz="3200" dirty="0" smtClean="0">
+                <a:latin typeface="Avenir Book" charset="0"/>
+                <a:ea typeface="Avenir Book" charset="0"/>
+                <a:cs typeface="Avenir Book" charset="0"/>
+              </a:rPr>
+              <a:t>Bentz et al. (2015).  3. Moran</a:t>
+            </a:r>
+            <a:r>
+              <a:rPr lang="de-DE" sz="3200" dirty="0">
+                <a:latin typeface="Avenir Book" charset="0"/>
+                <a:ea typeface="Avenir Book" charset="0"/>
+                <a:cs typeface="Avenir Book" charset="0"/>
+              </a:rPr>
+              <a:t>, </a:t>
+            </a:r>
+            <a:r>
+              <a:rPr lang="de-DE" sz="3200" dirty="0" err="1">
+                <a:latin typeface="Avenir Book" charset="0"/>
+                <a:ea typeface="Avenir Book" charset="0"/>
+                <a:cs typeface="Avenir Book" charset="0"/>
+              </a:rPr>
+              <a:t>McCloy</a:t>
+            </a:r>
+            <a:r>
+              <a:rPr lang="de-DE" sz="3200" dirty="0">
+                <a:latin typeface="Avenir Book" charset="0"/>
+                <a:ea typeface="Avenir Book" charset="0"/>
+                <a:cs typeface="Avenir Book" charset="0"/>
+              </a:rPr>
+              <a:t> </a:t>
+            </a:r>
+            <a:r>
+              <a:rPr lang="de-DE" sz="3200" dirty="0" smtClean="0">
+                <a:latin typeface="Avenir Book" charset="0"/>
+                <a:ea typeface="Avenir Book" charset="0"/>
+                <a:cs typeface="Avenir Book" charset="0"/>
+              </a:rPr>
+              <a:t>&amp; Wright </a:t>
+            </a:r>
+            <a:r>
+              <a:rPr lang="de-DE" sz="3200" dirty="0">
+                <a:latin typeface="Avenir Book" charset="0"/>
+                <a:ea typeface="Avenir Book" charset="0"/>
+                <a:cs typeface="Avenir Book" charset="0"/>
+              </a:rPr>
+              <a:t>(2012</a:t>
+            </a:r>
+            <a:r>
+              <a:rPr lang="de-DE" sz="3200" dirty="0" smtClean="0">
+                <a:latin typeface="Avenir Book" charset="0"/>
+                <a:ea typeface="Avenir Book" charset="0"/>
+                <a:cs typeface="Avenir Book" charset="0"/>
+              </a:rPr>
+              <a:t>).             4. Lewis &amp; Frank </a:t>
+            </a:r>
+            <a:r>
+              <a:rPr lang="de-DE" sz="3200" dirty="0">
+                <a:latin typeface="Avenir Book" charset="0"/>
+                <a:ea typeface="Avenir Book" charset="0"/>
+                <a:cs typeface="Avenir Book" charset="0"/>
+              </a:rPr>
+              <a:t>(</a:t>
+            </a:r>
+            <a:r>
+              <a:rPr lang="de-DE" sz="3200" dirty="0" smtClean="0">
+                <a:latin typeface="Avenir Book" charset="0"/>
+                <a:ea typeface="Avenir Book" charset="0"/>
+                <a:cs typeface="Avenir Book" charset="0"/>
+              </a:rPr>
+              <a:t>2016).  5. Wichmann</a:t>
+            </a:r>
+            <a:r>
+              <a:rPr lang="de-DE" sz="3200" dirty="0">
+                <a:latin typeface="Avenir Book" charset="0"/>
+                <a:ea typeface="Avenir Book" charset="0"/>
+                <a:cs typeface="Avenir Book" charset="0"/>
+              </a:rPr>
+              <a:t>, </a:t>
+            </a:r>
+            <a:r>
+              <a:rPr lang="de-DE" sz="3200" dirty="0" smtClean="0">
+                <a:latin typeface="Avenir Book" charset="0"/>
+                <a:ea typeface="Avenir Book" charset="0"/>
+                <a:cs typeface="Avenir Book" charset="0"/>
+              </a:rPr>
+              <a:t>Rama, &amp; </a:t>
+            </a:r>
+            <a:r>
+              <a:rPr lang="de-DE" sz="3200" dirty="0" err="1" smtClean="0">
+                <a:latin typeface="Avenir Book" charset="0"/>
+                <a:ea typeface="Avenir Book" charset="0"/>
+                <a:cs typeface="Avenir Book" charset="0"/>
+              </a:rPr>
+              <a:t>Holman</a:t>
+            </a:r>
+            <a:r>
+              <a:rPr lang="de-DE" sz="3200" dirty="0" smtClean="0">
+                <a:latin typeface="Avenir Book" charset="0"/>
+                <a:ea typeface="Avenir Book" charset="0"/>
+                <a:cs typeface="Avenir Book" charset="0"/>
+              </a:rPr>
+              <a:t> </a:t>
+            </a:r>
+            <a:r>
+              <a:rPr lang="de-DE" sz="3200" dirty="0">
+                <a:latin typeface="Avenir Book" charset="0"/>
+                <a:ea typeface="Avenir Book" charset="0"/>
+                <a:cs typeface="Avenir Book" charset="0"/>
+              </a:rPr>
+              <a:t>(2014).  </a:t>
+            </a:r>
+            <a:endParaRPr lang="en-US" sz="3200" b="1" dirty="0" smtClean="0">
+              <a:latin typeface="Avenir Book" charset="0"/>
+              <a:ea typeface="Avenir Book" charset="0"/>
+              <a:cs typeface="Avenir Book" charset="0"/>
+            </a:endParaRPr>
+          </a:p>
+        </p:txBody>
+      </p:sp>
+      <p:sp>
+        <p:nvSpPr>
+          <p:cNvPr id="6" name="TextBox 5"/>
+          <p:cNvSpPr txBox="1"/>
           <p:nvPr/>
-        </p:nvPicPr>
-        <p:blipFill rotWithShape="1">
-          <a:blip r:embed="rId3">
-            <a:extLst>
-              <a:ext uri="{28A0092B-C50C-407E-A947-70E740481C1C}">
-                <a14:useLocalDpi xmlns:a14="http://schemas.microsoft.com/office/drawing/2010/main" val="0"/>
-              </a:ext>
-            </a:extLst>
-          </a:blip>
-          <a:srcRect l="764" t="35900" r="97910" b="38530"/>
-          <a:stretch/>
-        </p:blipFill>
+        </p:nvSpPr>
         <p:spPr>
           <a:xfrm>
-            <a:off x="1455300" y="21446533"/>
-            <a:ext cx="485049" cy="7275738"/>
+            <a:off x="7808543" y="30250157"/>
+            <a:ext cx="6280887" cy="830997"/>
           </a:xfrm>
           <a:prstGeom prst="rect">
             <a:avLst/>
           </a:prstGeom>
+          <a:noFill/>
         </p:spPr>
-      </p:pic>
+        <p:txBody>
+          <a:bodyPr wrap="none" rtlCol="0">
+            <a:spAutoFit/>
+          </a:bodyPr>
+          <a:lstStyle/>
+          <a:p>
+            <a:r>
+              <a:rPr lang="en-US" sz="4800" dirty="0" smtClean="0">
+                <a:latin typeface="Arial" charset="0"/>
+                <a:ea typeface="Arial" charset="0"/>
+                <a:cs typeface="Arial" charset="0"/>
+              </a:rPr>
+              <a:t>Environment variables</a:t>
+            </a:r>
+            <a:endParaRPr lang="en-US" sz="4800" dirty="0">
+              <a:latin typeface="Arial" charset="0"/>
+              <a:ea typeface="Arial" charset="0"/>
+              <a:cs typeface="Arial" charset="0"/>
+            </a:endParaRPr>
+          </a:p>
+        </p:txBody>
+      </p:sp>
+      <p:sp>
+        <p:nvSpPr>
+          <p:cNvPr id="21" name="TextBox 20"/>
+          <p:cNvSpPr txBox="1"/>
+          <p:nvPr/>
+        </p:nvSpPr>
+        <p:spPr>
+          <a:xfrm rot="16200000">
+            <a:off x="-1024762" y="23033264"/>
+            <a:ext cx="5389617" cy="830997"/>
+          </a:xfrm>
+          <a:prstGeom prst="rect">
+            <a:avLst/>
+          </a:prstGeom>
+          <a:noFill/>
+        </p:spPr>
+        <p:txBody>
+          <a:bodyPr wrap="none" rtlCol="0">
+            <a:spAutoFit/>
+          </a:bodyPr>
+          <a:lstStyle/>
+          <a:p>
+            <a:r>
+              <a:rPr lang="en-US" sz="4800" smtClean="0">
+                <a:latin typeface="Arial" charset="0"/>
+                <a:ea typeface="Arial" charset="0"/>
+                <a:cs typeface="Arial" charset="0"/>
+              </a:rPr>
+              <a:t>Linguistic variables</a:t>
+            </a:r>
+            <a:endParaRPr lang="en-US" sz="4800" dirty="0">
+              <a:latin typeface="Arial" charset="0"/>
+              <a:ea typeface="Arial" charset="0"/>
+              <a:cs typeface="Arial" charset="0"/>
+            </a:endParaRPr>
+          </a:p>
+        </p:txBody>
+      </p:sp>
+      <p:sp>
+        <p:nvSpPr>
+          <p:cNvPr id="7" name="TextBox 6"/>
+          <p:cNvSpPr txBox="1"/>
+          <p:nvPr/>
+        </p:nvSpPr>
+        <p:spPr>
+          <a:xfrm>
+            <a:off x="4343401" y="16061350"/>
+            <a:ext cx="359394" cy="523220"/>
+          </a:xfrm>
+          <a:prstGeom prst="rect">
+            <a:avLst/>
+          </a:prstGeom>
+          <a:noFill/>
+        </p:spPr>
+        <p:txBody>
+          <a:bodyPr wrap="none" rtlCol="0">
+            <a:spAutoFit/>
+          </a:bodyPr>
+          <a:lstStyle/>
+          <a:p>
+            <a:r>
+              <a:rPr lang="en-US" sz="2800" dirty="0" smtClean="0">
+                <a:latin typeface="Arial Hebrew" charset="-79"/>
+                <a:ea typeface="Arial Hebrew" charset="-79"/>
+                <a:cs typeface="Arial Hebrew" charset="-79"/>
+              </a:rPr>
+              <a:t>1</a:t>
+            </a:r>
+            <a:endParaRPr lang="en-US" sz="2800" dirty="0">
+              <a:latin typeface="Arial Hebrew" charset="-79"/>
+              <a:ea typeface="Arial Hebrew" charset="-79"/>
+              <a:cs typeface="Arial Hebrew" charset="-79"/>
+            </a:endParaRPr>
+          </a:p>
+        </p:txBody>
+      </p:sp>
+      <p:sp>
+        <p:nvSpPr>
+          <p:cNvPr id="23" name="TextBox 22"/>
+          <p:cNvSpPr txBox="1"/>
+          <p:nvPr/>
+        </p:nvSpPr>
+        <p:spPr>
+          <a:xfrm>
+            <a:off x="8693729" y="16069906"/>
+            <a:ext cx="359394" cy="523220"/>
+          </a:xfrm>
+          <a:prstGeom prst="rect">
+            <a:avLst/>
+          </a:prstGeom>
+          <a:noFill/>
+        </p:spPr>
+        <p:txBody>
+          <a:bodyPr wrap="none" rtlCol="0">
+            <a:spAutoFit/>
+          </a:bodyPr>
+          <a:lstStyle/>
+          <a:p>
+            <a:r>
+              <a:rPr lang="en-US" sz="2800" dirty="0" smtClean="0">
+                <a:latin typeface="Arial Hebrew" charset="-79"/>
+                <a:ea typeface="Arial Hebrew" charset="-79"/>
+                <a:cs typeface="Arial Hebrew" charset="-79"/>
+              </a:rPr>
+              <a:t>1</a:t>
+            </a:r>
+            <a:endParaRPr lang="en-US" sz="2800" dirty="0">
+              <a:latin typeface="Arial Hebrew" charset="-79"/>
+              <a:ea typeface="Arial Hebrew" charset="-79"/>
+              <a:cs typeface="Arial Hebrew" charset="-79"/>
+            </a:endParaRPr>
+          </a:p>
+        </p:txBody>
+      </p:sp>
+      <p:sp>
+        <p:nvSpPr>
+          <p:cNvPr id="24" name="TextBox 23"/>
+          <p:cNvSpPr txBox="1"/>
+          <p:nvPr/>
+        </p:nvSpPr>
+        <p:spPr>
+          <a:xfrm>
+            <a:off x="10815610" y="16079139"/>
+            <a:ext cx="359394" cy="523220"/>
+          </a:xfrm>
+          <a:prstGeom prst="rect">
+            <a:avLst/>
+          </a:prstGeom>
+          <a:noFill/>
+        </p:spPr>
+        <p:txBody>
+          <a:bodyPr wrap="none" rtlCol="0">
+            <a:spAutoFit/>
+          </a:bodyPr>
+          <a:lstStyle/>
+          <a:p>
+            <a:r>
+              <a:rPr lang="en-US" sz="2800" dirty="0" smtClean="0">
+                <a:latin typeface="Arial Hebrew" charset="-79"/>
+                <a:ea typeface="Arial Hebrew" charset="-79"/>
+                <a:cs typeface="Arial Hebrew" charset="-79"/>
+              </a:rPr>
+              <a:t>1</a:t>
+            </a:r>
+            <a:endParaRPr lang="en-US" sz="2800" dirty="0">
+              <a:latin typeface="Arial Hebrew" charset="-79"/>
+              <a:ea typeface="Arial Hebrew" charset="-79"/>
+              <a:cs typeface="Arial Hebrew" charset="-79"/>
+            </a:endParaRPr>
+          </a:p>
+        </p:txBody>
+      </p:sp>
+      <p:sp>
+        <p:nvSpPr>
+          <p:cNvPr id="26" name="TextBox 25"/>
+          <p:cNvSpPr txBox="1"/>
+          <p:nvPr/>
+        </p:nvSpPr>
+        <p:spPr>
+          <a:xfrm>
+            <a:off x="13023437" y="16088372"/>
+            <a:ext cx="359394" cy="523220"/>
+          </a:xfrm>
+          <a:prstGeom prst="rect">
+            <a:avLst/>
+          </a:prstGeom>
+          <a:noFill/>
+        </p:spPr>
+        <p:txBody>
+          <a:bodyPr wrap="none" rtlCol="0">
+            <a:spAutoFit/>
+          </a:bodyPr>
+          <a:lstStyle/>
+          <a:p>
+            <a:r>
+              <a:rPr lang="en-US" sz="2800" dirty="0" smtClean="0">
+                <a:latin typeface="Arial Hebrew" charset="-79"/>
+                <a:ea typeface="Arial Hebrew" charset="-79"/>
+                <a:cs typeface="Arial Hebrew" charset="-79"/>
+              </a:rPr>
+              <a:t>1</a:t>
+            </a:r>
+            <a:endParaRPr lang="en-US" sz="2800" dirty="0">
+              <a:latin typeface="Arial Hebrew" charset="-79"/>
+              <a:ea typeface="Arial Hebrew" charset="-79"/>
+              <a:cs typeface="Arial Hebrew" charset="-79"/>
+            </a:endParaRPr>
+          </a:p>
+        </p:txBody>
+      </p:sp>
+      <p:sp>
+        <p:nvSpPr>
+          <p:cNvPr id="28" name="TextBox 27"/>
+          <p:cNvSpPr txBox="1"/>
+          <p:nvPr/>
+        </p:nvSpPr>
+        <p:spPr>
+          <a:xfrm>
+            <a:off x="15165938" y="16069906"/>
+            <a:ext cx="359394" cy="523220"/>
+          </a:xfrm>
+          <a:prstGeom prst="rect">
+            <a:avLst/>
+          </a:prstGeom>
+          <a:noFill/>
+        </p:spPr>
+        <p:txBody>
+          <a:bodyPr wrap="none" rtlCol="0">
+            <a:spAutoFit/>
+          </a:bodyPr>
+          <a:lstStyle/>
+          <a:p>
+            <a:r>
+              <a:rPr lang="en-US" sz="2800" dirty="0" smtClean="0">
+                <a:latin typeface="Arial Hebrew" charset="-79"/>
+                <a:ea typeface="Arial Hebrew" charset="-79"/>
+                <a:cs typeface="Arial Hebrew" charset="-79"/>
+              </a:rPr>
+              <a:t>1</a:t>
+            </a:r>
+            <a:endParaRPr lang="en-US" sz="2800" dirty="0">
+              <a:latin typeface="Arial Hebrew" charset="-79"/>
+              <a:ea typeface="Arial Hebrew" charset="-79"/>
+              <a:cs typeface="Arial Hebrew" charset="-79"/>
+            </a:endParaRPr>
+          </a:p>
+        </p:txBody>
+      </p:sp>
+      <p:sp>
+        <p:nvSpPr>
+          <p:cNvPr id="29" name="TextBox 28"/>
+          <p:cNvSpPr txBox="1"/>
+          <p:nvPr/>
+        </p:nvSpPr>
+        <p:spPr>
+          <a:xfrm>
+            <a:off x="17294747" y="16085213"/>
+            <a:ext cx="359394" cy="523220"/>
+          </a:xfrm>
+          <a:prstGeom prst="rect">
+            <a:avLst/>
+          </a:prstGeom>
+          <a:noFill/>
+        </p:spPr>
+        <p:txBody>
+          <a:bodyPr wrap="none" rtlCol="0">
+            <a:spAutoFit/>
+          </a:bodyPr>
+          <a:lstStyle/>
+          <a:p>
+            <a:r>
+              <a:rPr lang="en-US" sz="2800" dirty="0" smtClean="0">
+                <a:latin typeface="Arial Hebrew" charset="-79"/>
+                <a:ea typeface="Arial Hebrew" charset="-79"/>
+                <a:cs typeface="Arial Hebrew" charset="-79"/>
+              </a:rPr>
+              <a:t>1</a:t>
+            </a:r>
+            <a:endParaRPr lang="en-US" sz="2800" dirty="0">
+              <a:latin typeface="Arial Hebrew" charset="-79"/>
+              <a:ea typeface="Arial Hebrew" charset="-79"/>
+              <a:cs typeface="Arial Hebrew" charset="-79"/>
+            </a:endParaRPr>
+          </a:p>
+        </p:txBody>
+      </p:sp>
+      <p:sp>
+        <p:nvSpPr>
+          <p:cNvPr id="30" name="TextBox 29"/>
+          <p:cNvSpPr txBox="1"/>
+          <p:nvPr/>
+        </p:nvSpPr>
+        <p:spPr>
+          <a:xfrm>
+            <a:off x="19474702" y="16085213"/>
+            <a:ext cx="359394" cy="523220"/>
+          </a:xfrm>
+          <a:prstGeom prst="rect">
+            <a:avLst/>
+          </a:prstGeom>
+          <a:noFill/>
+        </p:spPr>
+        <p:txBody>
+          <a:bodyPr wrap="none" rtlCol="0">
+            <a:spAutoFit/>
+          </a:bodyPr>
+          <a:lstStyle/>
+          <a:p>
+            <a:r>
+              <a:rPr lang="en-US" sz="2800" dirty="0" smtClean="0">
+                <a:latin typeface="Arial Hebrew" charset="-79"/>
+                <a:ea typeface="Arial Hebrew" charset="-79"/>
+                <a:cs typeface="Arial Hebrew" charset="-79"/>
+              </a:rPr>
+              <a:t>1</a:t>
+            </a:r>
+            <a:endParaRPr lang="en-US" sz="2800" dirty="0">
+              <a:latin typeface="Arial Hebrew" charset="-79"/>
+              <a:ea typeface="Arial Hebrew" charset="-79"/>
+              <a:cs typeface="Arial Hebrew" charset="-79"/>
+            </a:endParaRPr>
+          </a:p>
+        </p:txBody>
+      </p:sp>
+      <p:sp>
+        <p:nvSpPr>
+          <p:cNvPr id="32" name="TextBox 31"/>
+          <p:cNvSpPr txBox="1"/>
+          <p:nvPr/>
+        </p:nvSpPr>
+        <p:spPr>
+          <a:xfrm>
+            <a:off x="6520754" y="16088372"/>
+            <a:ext cx="359394" cy="523220"/>
+          </a:xfrm>
+          <a:prstGeom prst="rect">
+            <a:avLst/>
+          </a:prstGeom>
+          <a:noFill/>
+        </p:spPr>
+        <p:txBody>
+          <a:bodyPr wrap="none" rtlCol="0">
+            <a:spAutoFit/>
+          </a:bodyPr>
+          <a:lstStyle/>
+          <a:p>
+            <a:r>
+              <a:rPr lang="en-US" sz="2800" dirty="0">
+                <a:latin typeface="Arial Hebrew" charset="-79"/>
+                <a:ea typeface="Arial Hebrew" charset="-79"/>
+                <a:cs typeface="Arial Hebrew" charset="-79"/>
+              </a:rPr>
+              <a:t>2</a:t>
+            </a:r>
+            <a:endParaRPr lang="en-US" sz="2800" dirty="0">
+              <a:latin typeface="Arial Hebrew" charset="-79"/>
+              <a:ea typeface="Arial Hebrew" charset="-79"/>
+              <a:cs typeface="Arial Hebrew" charset="-79"/>
+            </a:endParaRPr>
+          </a:p>
+        </p:txBody>
+      </p:sp>
+      <p:sp>
+        <p:nvSpPr>
+          <p:cNvPr id="33" name="TextBox 32"/>
+          <p:cNvSpPr txBox="1"/>
+          <p:nvPr/>
+        </p:nvSpPr>
+        <p:spPr>
+          <a:xfrm rot="5400000">
+            <a:off x="19449561" y="18659091"/>
+            <a:ext cx="932896" cy="523220"/>
+          </a:xfrm>
+          <a:prstGeom prst="rect">
+            <a:avLst/>
+          </a:prstGeom>
+          <a:noFill/>
+        </p:spPr>
+        <p:txBody>
+          <a:bodyPr wrap="square" rtlCol="0">
+            <a:spAutoFit/>
+          </a:bodyPr>
+          <a:lstStyle/>
+          <a:p>
+            <a:r>
+              <a:rPr lang="en-US" sz="2800" dirty="0" smtClean="0">
+                <a:latin typeface="Arial Hebrew" charset="-79"/>
+                <a:ea typeface="Arial Hebrew" charset="-79"/>
+                <a:cs typeface="Arial Hebrew" charset="-79"/>
+              </a:rPr>
+              <a:t>(1)</a:t>
+            </a:r>
+            <a:endParaRPr lang="en-US" sz="2800" dirty="0">
+              <a:latin typeface="Arial Hebrew" charset="-79"/>
+              <a:ea typeface="Arial Hebrew" charset="-79"/>
+              <a:cs typeface="Arial Hebrew" charset="-79"/>
+            </a:endParaRPr>
+          </a:p>
+        </p:txBody>
+      </p:sp>
+      <p:sp>
+        <p:nvSpPr>
+          <p:cNvPr id="34" name="TextBox 33"/>
+          <p:cNvSpPr txBox="1"/>
+          <p:nvPr/>
+        </p:nvSpPr>
+        <p:spPr>
+          <a:xfrm rot="5400000">
+            <a:off x="19764793" y="20979574"/>
+            <a:ext cx="932896" cy="523220"/>
+          </a:xfrm>
+          <a:prstGeom prst="rect">
+            <a:avLst/>
+          </a:prstGeom>
+          <a:noFill/>
+        </p:spPr>
+        <p:txBody>
+          <a:bodyPr wrap="square" rtlCol="0">
+            <a:spAutoFit/>
+          </a:bodyPr>
+          <a:lstStyle/>
+          <a:p>
+            <a:r>
+              <a:rPr lang="en-US" sz="2800" dirty="0" smtClean="0">
+                <a:latin typeface="Arial Hebrew" charset="-79"/>
+                <a:ea typeface="Arial Hebrew" charset="-79"/>
+                <a:cs typeface="Arial Hebrew" charset="-79"/>
+              </a:rPr>
+              <a:t>4</a:t>
+            </a:r>
+          </a:p>
+        </p:txBody>
+      </p:sp>
+      <p:sp>
+        <p:nvSpPr>
+          <p:cNvPr id="35" name="TextBox 34"/>
+          <p:cNvSpPr txBox="1"/>
+          <p:nvPr/>
+        </p:nvSpPr>
+        <p:spPr>
+          <a:xfrm rot="5400000">
+            <a:off x="19785575" y="23187152"/>
+            <a:ext cx="932896" cy="523220"/>
+          </a:xfrm>
+          <a:prstGeom prst="rect">
+            <a:avLst/>
+          </a:prstGeom>
+          <a:noFill/>
+        </p:spPr>
+        <p:txBody>
+          <a:bodyPr wrap="square" rtlCol="0">
+            <a:spAutoFit/>
+          </a:bodyPr>
+          <a:lstStyle/>
+          <a:p>
+            <a:r>
+              <a:rPr lang="en-US" sz="2800" dirty="0">
+                <a:latin typeface="Arial Hebrew" charset="-79"/>
+                <a:ea typeface="Arial Hebrew" charset="-79"/>
+                <a:cs typeface="Arial Hebrew" charset="-79"/>
+              </a:rPr>
+              <a:t>2</a:t>
+            </a:r>
+            <a:endParaRPr lang="en-US" sz="2800" dirty="0" smtClean="0">
+              <a:latin typeface="Arial Hebrew" charset="-79"/>
+              <a:ea typeface="Arial Hebrew" charset="-79"/>
+              <a:cs typeface="Arial Hebrew" charset="-79"/>
+            </a:endParaRPr>
+          </a:p>
+        </p:txBody>
+      </p:sp>
+      <p:sp>
+        <p:nvSpPr>
+          <p:cNvPr id="36" name="TextBox 35"/>
+          <p:cNvSpPr txBox="1"/>
+          <p:nvPr/>
+        </p:nvSpPr>
+        <p:spPr>
+          <a:xfrm rot="5400000">
+            <a:off x="19711171" y="25374203"/>
+            <a:ext cx="932896" cy="523220"/>
+          </a:xfrm>
+          <a:prstGeom prst="rect">
+            <a:avLst/>
+          </a:prstGeom>
+          <a:noFill/>
+        </p:spPr>
+        <p:txBody>
+          <a:bodyPr wrap="square" rtlCol="0">
+            <a:spAutoFit/>
+          </a:bodyPr>
+          <a:lstStyle/>
+          <a:p>
+            <a:r>
+              <a:rPr lang="en-US" sz="2800" dirty="0" smtClean="0">
+                <a:latin typeface="Arial Hebrew" charset="-79"/>
+                <a:ea typeface="Arial Hebrew" charset="-79"/>
+                <a:cs typeface="Arial Hebrew" charset="-79"/>
+              </a:rPr>
+              <a:t>5</a:t>
+            </a:r>
+          </a:p>
+        </p:txBody>
+      </p:sp>
+      <p:sp>
+        <p:nvSpPr>
+          <p:cNvPr id="39" name="TextBox 38"/>
+          <p:cNvSpPr txBox="1"/>
+          <p:nvPr/>
+        </p:nvSpPr>
+        <p:spPr>
+          <a:xfrm rot="5400000">
+            <a:off x="19764793" y="27610032"/>
+            <a:ext cx="932896" cy="523220"/>
+          </a:xfrm>
+          <a:prstGeom prst="rect">
+            <a:avLst/>
+          </a:prstGeom>
+          <a:noFill/>
+        </p:spPr>
+        <p:txBody>
+          <a:bodyPr wrap="square" rtlCol="0">
+            <a:spAutoFit/>
+          </a:bodyPr>
+          <a:lstStyle/>
+          <a:p>
+            <a:r>
+              <a:rPr lang="en-US" sz="2800" dirty="0" smtClean="0">
+                <a:latin typeface="Arial Hebrew" charset="-79"/>
+                <a:ea typeface="Arial Hebrew" charset="-79"/>
+                <a:cs typeface="Arial Hebrew" charset="-79"/>
+              </a:rPr>
+              <a:t>4</a:t>
+            </a:r>
+          </a:p>
+        </p:txBody>
+      </p:sp>
+      <p:sp>
+        <p:nvSpPr>
+          <p:cNvPr id="40" name="TextBox 39"/>
+          <p:cNvSpPr txBox="1"/>
+          <p:nvPr/>
+        </p:nvSpPr>
+        <p:spPr>
+          <a:xfrm rot="5400000">
+            <a:off x="19770797" y="29729811"/>
+            <a:ext cx="932896" cy="523220"/>
+          </a:xfrm>
+          <a:prstGeom prst="rect">
+            <a:avLst/>
+          </a:prstGeom>
+          <a:noFill/>
+        </p:spPr>
+        <p:txBody>
+          <a:bodyPr wrap="square" rtlCol="0">
+            <a:spAutoFit/>
+          </a:bodyPr>
+          <a:lstStyle/>
+          <a:p>
+            <a:r>
+              <a:rPr lang="en-US" sz="2800" dirty="0" smtClean="0">
+                <a:latin typeface="Arial Hebrew" charset="-79"/>
+                <a:ea typeface="Arial Hebrew" charset="-79"/>
+                <a:cs typeface="Arial Hebrew" charset="-79"/>
+              </a:rPr>
+              <a:t>4</a:t>
+            </a:r>
+          </a:p>
+        </p:txBody>
+      </p:sp>
     </p:spTree>
     <p:extLst>
       <p:ext uri="{BB962C8B-B14F-4D97-AF65-F5344CB8AC3E}">
@@ -4840,84 +5578,9 @@
   <p:timing>
     <p:tnLst>
       <p:par>
-        <p:cTn id="1" dur="indefinite" restart="never" nodeType="tmRoot">
-          <p:childTnLst>
-            <p:seq concurrent="1" nextAc="seek">
-              <p:cTn id="2" dur="indefinite" nodeType="mainSeq">
-                <p:childTnLst>
-                  <p:par>
-                    <p:cTn id="3" fill="hold">
-                      <p:stCondLst>
-                        <p:cond delay="indefinite"/>
-                      </p:stCondLst>
-                      <p:childTnLst>
-                        <p:par>
-                          <p:cTn id="4" fill="hold">
-                            <p:stCondLst>
-                              <p:cond delay="0"/>
-                            </p:stCondLst>
-                            <p:childTnLst>
-                              <p:par>
-                                <p:cTn id="5" presetID="1" presetClass="entr" presetSubtype="0" fill="hold" grpId="0" nodeType="clickEffect">
-                                  <p:stCondLst>
-                                    <p:cond delay="0"/>
-                                  </p:stCondLst>
-                                  <p:childTnLst>
-                                    <p:set>
-                                      <p:cBhvr>
-                                        <p:cTn id="6" dur="1" fill="hold">
-                                          <p:stCondLst>
-                                            <p:cond delay="0"/>
-                                          </p:stCondLst>
-                                        </p:cTn>
-                                        <p:tgtEl>
-                                          <p:spTgt spid="55">
-                                            <p:txEl>
-                                              <p:pRg st="0" end="0"/>
-                                            </p:txEl>
-                                          </p:spTgt>
-                                        </p:tgtEl>
-                                        <p:attrNameLst>
-                                          <p:attrName>style.visibility</p:attrName>
-                                        </p:attrNameLst>
-                                      </p:cBhvr>
-                                      <p:to>
-                                        <p:strVal val="visible"/>
-                                      </p:to>
-                                    </p:set>
-                                  </p:childTnLst>
-                                </p:cTn>
-                              </p:par>
-                            </p:childTnLst>
-                          </p:cTn>
-                        </p:par>
-                      </p:childTnLst>
-                    </p:cTn>
-                  </p:par>
-                </p:childTnLst>
-              </p:cTn>
-              <p:prevCondLst>
-                <p:cond evt="onPrev" delay="0">
-                  <p:tgtEl>
-                    <p:sldTgt/>
-                  </p:tgtEl>
-                </p:cond>
-              </p:prevCondLst>
-              <p:nextCondLst>
-                <p:cond evt="onNext" delay="0">
-                  <p:tgtEl>
-                    <p:sldTgt/>
-                  </p:tgtEl>
-                </p:cond>
-              </p:nextCondLst>
-            </p:seq>
-          </p:childTnLst>
-        </p:cTn>
+        <p:cTn id="1" dur="indefinite" restart="never" nodeType="tmRoot"/>
       </p:par>
     </p:tnLst>
-    <p:bldLst>
-      <p:bldP spid="55" grpId="0" build="p"/>
-    </p:bldLst>
   </p:timing>
 </p:sld>
 </file>
